--- a/Slides/Cloud Fundamentals/Cloud Computing Fundamentals.pptx
+++ b/Slides/Cloud Fundamentals/Cloud Computing Fundamentals.pptx
@@ -294,7 +294,7 @@
           <a:p>
             <a:fld id="{433EF8DA-81C9-48DB-9C1B-70F314538A8A}" type="datetimeFigureOut">
               <a:rPr lang="en-IN" smtClean="0"/>
-              <a:t>20-12-2022</a:t>
+              <a:t>21-12-2022</a:t>
             </a:fld>
             <a:endParaRPr lang="en-IN"/>
           </a:p>
@@ -494,7 +494,7 @@
           <a:p>
             <a:fld id="{433EF8DA-81C9-48DB-9C1B-70F314538A8A}" type="datetimeFigureOut">
               <a:rPr lang="en-IN" smtClean="0"/>
-              <a:t>20-12-2022</a:t>
+              <a:t>21-12-2022</a:t>
             </a:fld>
             <a:endParaRPr lang="en-IN"/>
           </a:p>
@@ -704,7 +704,7 @@
           <a:p>
             <a:fld id="{433EF8DA-81C9-48DB-9C1B-70F314538A8A}" type="datetimeFigureOut">
               <a:rPr lang="en-IN" smtClean="0"/>
-              <a:t>20-12-2022</a:t>
+              <a:t>21-12-2022</a:t>
             </a:fld>
             <a:endParaRPr lang="en-IN"/>
           </a:p>
@@ -1003,7 +1003,7 @@
           <a:p>
             <a:fld id="{7D0BE9EC-3994-4E60-BF0C-653179C96710}" type="datetimeFigureOut">
               <a:rPr lang="en-US" smtClean="0"/>
-              <a:t>12/20/2022</a:t>
+              <a:t>12/21/2022</a:t>
             </a:fld>
             <a:endParaRPr lang="en-US"/>
           </a:p>
@@ -1211,7 +1211,7 @@
           <a:p>
             <a:fld id="{7D0BE9EC-3994-4E60-BF0C-653179C96710}" type="datetimeFigureOut">
               <a:rPr lang="en-US" smtClean="0"/>
-              <a:t>12/20/2022</a:t>
+              <a:t>12/21/2022</a:t>
             </a:fld>
             <a:endParaRPr lang="en-US"/>
           </a:p>
@@ -1554,7 +1554,7 @@
           <a:p>
             <a:fld id="{7D0BE9EC-3994-4E60-BF0C-653179C96710}" type="datetimeFigureOut">
               <a:rPr lang="en-US" smtClean="0"/>
-              <a:t>12/20/2022</a:t>
+              <a:t>12/21/2022</a:t>
             </a:fld>
             <a:endParaRPr lang="en-US"/>
           </a:p>
@@ -1829,7 +1829,7 @@
           <a:p>
             <a:fld id="{7D0BE9EC-3994-4E60-BF0C-653179C96710}" type="datetimeFigureOut">
               <a:rPr lang="en-US" smtClean="0"/>
-              <a:t>12/20/2022</a:t>
+              <a:t>12/21/2022</a:t>
             </a:fld>
             <a:endParaRPr lang="en-US"/>
           </a:p>
@@ -2208,7 +2208,7 @@
           <a:p>
             <a:fld id="{7D0BE9EC-3994-4E60-BF0C-653179C96710}" type="datetimeFigureOut">
               <a:rPr lang="en-US" smtClean="0"/>
-              <a:t>12/20/2022</a:t>
+              <a:t>12/21/2022</a:t>
             </a:fld>
             <a:endParaRPr lang="en-US"/>
           </a:p>
@@ -2326,7 +2326,7 @@
           <a:p>
             <a:fld id="{7D0BE9EC-3994-4E60-BF0C-653179C96710}" type="datetimeFigureOut">
               <a:rPr lang="en-US" smtClean="0"/>
-              <a:t>12/20/2022</a:t>
+              <a:t>12/21/2022</a:t>
             </a:fld>
             <a:endParaRPr lang="en-US"/>
           </a:p>
@@ -2497,7 +2497,7 @@
           <a:p>
             <a:fld id="{7D0BE9EC-3994-4E60-BF0C-653179C96710}" type="datetimeFigureOut">
               <a:rPr lang="en-US" smtClean="0"/>
-              <a:t>12/20/2022</a:t>
+              <a:t>12/21/2022</a:t>
             </a:fld>
             <a:endParaRPr lang="en-US"/>
           </a:p>
@@ -2851,7 +2851,7 @@
           <a:p>
             <a:fld id="{7D0BE9EC-3994-4E60-BF0C-653179C96710}" type="datetimeFigureOut">
               <a:rPr lang="en-US" smtClean="0"/>
-              <a:t>12/20/2022</a:t>
+              <a:t>12/21/2022</a:t>
             </a:fld>
             <a:endParaRPr lang="en-US"/>
           </a:p>
@@ -3060,7 +3060,7 @@
           <a:p>
             <a:fld id="{433EF8DA-81C9-48DB-9C1B-70F314538A8A}" type="datetimeFigureOut">
               <a:rPr lang="en-IN" smtClean="0"/>
-              <a:t>20-12-2022</a:t>
+              <a:t>21-12-2022</a:t>
             </a:fld>
             <a:endParaRPr lang="en-IN"/>
           </a:p>
@@ -3428,7 +3428,7 @@
           <a:p>
             <a:fld id="{7D0BE9EC-3994-4E60-BF0C-653179C96710}" type="datetimeFigureOut">
               <a:rPr lang="en-US" smtClean="0"/>
-              <a:t>12/20/2022</a:t>
+              <a:t>12/21/2022</a:t>
             </a:fld>
             <a:endParaRPr lang="en-US"/>
           </a:p>
@@ -3598,7 +3598,7 @@
           <a:p>
             <a:fld id="{7D0BE9EC-3994-4E60-BF0C-653179C96710}" type="datetimeFigureOut">
               <a:rPr lang="en-US" smtClean="0"/>
-              <a:t>12/20/2022</a:t>
+              <a:t>12/21/2022</a:t>
             </a:fld>
             <a:endParaRPr lang="en-US"/>
           </a:p>
@@ -3854,7 +3854,7 @@
           <a:p>
             <a:fld id="{7D0BE9EC-3994-4E60-BF0C-653179C96710}" type="datetimeFigureOut">
               <a:rPr lang="en-US" smtClean="0"/>
-              <a:t>12/20/2022</a:t>
+              <a:t>12/21/2022</a:t>
             </a:fld>
             <a:endParaRPr lang="en-US"/>
           </a:p>
@@ -4118,7 +4118,7 @@
           <a:p>
             <a:fld id="{433EF8DA-81C9-48DB-9C1B-70F314538A8A}" type="datetimeFigureOut">
               <a:rPr lang="en-IN" smtClean="0"/>
-              <a:t>20-12-2022</a:t>
+              <a:t>21-12-2022</a:t>
             </a:fld>
             <a:endParaRPr lang="en-IN"/>
           </a:p>
@@ -4386,7 +4386,7 @@
           <a:p>
             <a:fld id="{433EF8DA-81C9-48DB-9C1B-70F314538A8A}" type="datetimeFigureOut">
               <a:rPr lang="en-IN" smtClean="0"/>
-              <a:t>20-12-2022</a:t>
+              <a:t>21-12-2022</a:t>
             </a:fld>
             <a:endParaRPr lang="en-IN"/>
           </a:p>
@@ -4801,7 +4801,7 @@
           <a:p>
             <a:fld id="{433EF8DA-81C9-48DB-9C1B-70F314538A8A}" type="datetimeFigureOut">
               <a:rPr lang="en-IN" smtClean="0"/>
-              <a:t>20-12-2022</a:t>
+              <a:t>21-12-2022</a:t>
             </a:fld>
             <a:endParaRPr lang="en-IN"/>
           </a:p>
@@ -4943,7 +4943,7 @@
           <a:p>
             <a:fld id="{433EF8DA-81C9-48DB-9C1B-70F314538A8A}" type="datetimeFigureOut">
               <a:rPr lang="en-IN" smtClean="0"/>
-              <a:t>20-12-2022</a:t>
+              <a:t>21-12-2022</a:t>
             </a:fld>
             <a:endParaRPr lang="en-IN"/>
           </a:p>
@@ -5056,7 +5056,7 @@
           <a:p>
             <a:fld id="{433EF8DA-81C9-48DB-9C1B-70F314538A8A}" type="datetimeFigureOut">
               <a:rPr lang="en-IN" smtClean="0"/>
-              <a:t>20-12-2022</a:t>
+              <a:t>21-12-2022</a:t>
             </a:fld>
             <a:endParaRPr lang="en-IN"/>
           </a:p>
@@ -5369,7 +5369,7 @@
           <a:p>
             <a:fld id="{433EF8DA-81C9-48DB-9C1B-70F314538A8A}" type="datetimeFigureOut">
               <a:rPr lang="en-IN" smtClean="0"/>
-              <a:t>20-12-2022</a:t>
+              <a:t>21-12-2022</a:t>
             </a:fld>
             <a:endParaRPr lang="en-IN"/>
           </a:p>
@@ -5658,7 +5658,7 @@
           <a:p>
             <a:fld id="{433EF8DA-81C9-48DB-9C1B-70F314538A8A}" type="datetimeFigureOut">
               <a:rPr lang="en-IN" smtClean="0"/>
-              <a:t>20-12-2022</a:t>
+              <a:t>21-12-2022</a:t>
             </a:fld>
             <a:endParaRPr lang="en-IN"/>
           </a:p>
@@ -5901,7 +5901,7 @@
           <a:p>
             <a:fld id="{433EF8DA-81C9-48DB-9C1B-70F314538A8A}" type="datetimeFigureOut">
               <a:rPr lang="en-IN" smtClean="0"/>
-              <a:t>20-12-2022</a:t>
+              <a:t>21-12-2022</a:t>
             </a:fld>
             <a:endParaRPr lang="en-IN"/>
           </a:p>
@@ -6527,7 +6527,7 @@
           <a:p>
             <a:fld id="{7D0BE9EC-3994-4E60-BF0C-653179C96710}" type="datetimeFigureOut">
               <a:rPr lang="en-US" smtClean="0"/>
-              <a:t>12/20/2022</a:t>
+              <a:t>12/21/2022</a:t>
             </a:fld>
             <a:endParaRPr lang="en-US"/>
           </a:p>
